--- a/pipelines/skylab/optimus/documentation/Optimus_diagram.pptx
+++ b/pipelines/skylab/optimus/documentation/Optimus_diagram.pptx
@@ -197,7 +197,7 @@
           <a:p>
             <a:fld id="{3B247612-FC5A-7843-B5B2-FA2E1D48714B}" type="datetimeFigureOut">
               <a:rPr lang="en-US" smtClean="0"/>
-              <a:t>6/3/20</a:t>
+              <a:t>9/14/20</a:t>
             </a:fld>
             <a:endParaRPr lang="en-US"/>
           </a:p>
@@ -756,7 +756,7 @@
           <a:p>
             <a:fld id="{786A7BB3-3C1F-0349-BAD5-145FD03E8E0E}" type="datetimeFigureOut">
               <a:rPr lang="en-US" smtClean="0"/>
-              <a:t>6/3/20</a:t>
+              <a:t>9/14/20</a:t>
             </a:fld>
             <a:endParaRPr lang="en-US"/>
           </a:p>
@@ -954,7 +954,7 @@
           <a:p>
             <a:fld id="{786A7BB3-3C1F-0349-BAD5-145FD03E8E0E}" type="datetimeFigureOut">
               <a:rPr lang="en-US" smtClean="0"/>
-              <a:t>6/3/20</a:t>
+              <a:t>9/14/20</a:t>
             </a:fld>
             <a:endParaRPr lang="en-US"/>
           </a:p>
@@ -1162,7 +1162,7 @@
           <a:p>
             <a:fld id="{786A7BB3-3C1F-0349-BAD5-145FD03E8E0E}" type="datetimeFigureOut">
               <a:rPr lang="en-US" smtClean="0"/>
-              <a:t>6/3/20</a:t>
+              <a:t>9/14/20</a:t>
             </a:fld>
             <a:endParaRPr lang="en-US"/>
           </a:p>
@@ -1360,7 +1360,7 @@
           <a:p>
             <a:fld id="{786A7BB3-3C1F-0349-BAD5-145FD03E8E0E}" type="datetimeFigureOut">
               <a:rPr lang="en-US" smtClean="0"/>
-              <a:t>6/3/20</a:t>
+              <a:t>9/14/20</a:t>
             </a:fld>
             <a:endParaRPr lang="en-US"/>
           </a:p>
@@ -1635,7 +1635,7 @@
           <a:p>
             <a:fld id="{786A7BB3-3C1F-0349-BAD5-145FD03E8E0E}" type="datetimeFigureOut">
               <a:rPr lang="en-US" smtClean="0"/>
-              <a:t>6/3/20</a:t>
+              <a:t>9/14/20</a:t>
             </a:fld>
             <a:endParaRPr lang="en-US"/>
           </a:p>
@@ -1900,7 +1900,7 @@
           <a:p>
             <a:fld id="{786A7BB3-3C1F-0349-BAD5-145FD03E8E0E}" type="datetimeFigureOut">
               <a:rPr lang="en-US" smtClean="0"/>
-              <a:t>6/3/20</a:t>
+              <a:t>9/14/20</a:t>
             </a:fld>
             <a:endParaRPr lang="en-US"/>
           </a:p>
@@ -2312,7 +2312,7 @@
           <a:p>
             <a:fld id="{786A7BB3-3C1F-0349-BAD5-145FD03E8E0E}" type="datetimeFigureOut">
               <a:rPr lang="en-US" smtClean="0"/>
-              <a:t>6/3/20</a:t>
+              <a:t>9/14/20</a:t>
             </a:fld>
             <a:endParaRPr lang="en-US"/>
           </a:p>
@@ -2453,7 +2453,7 @@
           <a:p>
             <a:fld id="{786A7BB3-3C1F-0349-BAD5-145FD03E8E0E}" type="datetimeFigureOut">
               <a:rPr lang="en-US" smtClean="0"/>
-              <a:t>6/3/20</a:t>
+              <a:t>9/14/20</a:t>
             </a:fld>
             <a:endParaRPr lang="en-US"/>
           </a:p>
@@ -2566,7 +2566,7 @@
           <a:p>
             <a:fld id="{786A7BB3-3C1F-0349-BAD5-145FD03E8E0E}" type="datetimeFigureOut">
               <a:rPr lang="en-US" smtClean="0"/>
-              <a:t>6/3/20</a:t>
+              <a:t>9/14/20</a:t>
             </a:fld>
             <a:endParaRPr lang="en-US"/>
           </a:p>
@@ -2877,7 +2877,7 @@
           <a:p>
             <a:fld id="{786A7BB3-3C1F-0349-BAD5-145FD03E8E0E}" type="datetimeFigureOut">
               <a:rPr lang="en-US" smtClean="0"/>
-              <a:t>6/3/20</a:t>
+              <a:t>9/14/20</a:t>
             </a:fld>
             <a:endParaRPr lang="en-US"/>
           </a:p>
@@ -3165,7 +3165,7 @@
           <a:p>
             <a:fld id="{786A7BB3-3C1F-0349-BAD5-145FD03E8E0E}" type="datetimeFigureOut">
               <a:rPr lang="en-US" smtClean="0"/>
-              <a:t>6/3/20</a:t>
+              <a:t>9/14/20</a:t>
             </a:fld>
             <a:endParaRPr lang="en-US"/>
           </a:p>
@@ -3406,7 +3406,7 @@
           <a:p>
             <a:fld id="{786A7BB3-3C1F-0349-BAD5-145FD03E8E0E}" type="datetimeFigureOut">
               <a:rPr lang="en-US" smtClean="0"/>
-              <a:t>6/3/20</a:t>
+              <a:t>9/14/20</a:t>
             </a:fld>
             <a:endParaRPr lang="en-US"/>
           </a:p>
@@ -3858,9 +3858,9 @@
           <p:grpSpPr>
             <a:xfrm>
               <a:off x="288408" y="2786954"/>
-              <a:ext cx="12584436" cy="5055762"/>
+              <a:ext cx="12584436" cy="4838319"/>
               <a:chOff x="288408" y="2786954"/>
-              <a:chExt cx="12584436" cy="5055762"/>
+              <a:chExt cx="12584436" cy="4838319"/>
             </a:xfrm>
           </p:grpSpPr>
           <p:sp>
@@ -3894,124 +3894,7 @@
               <a:p>
                 <a:r>
                   <a:rPr lang="en" sz="799" b="1" dirty="0" err="1"/>
-                  <a:t>FastqToUBAM</a:t>
-                </a:r>
-                <a:endParaRPr sz="799" b="1" dirty="0"/>
-              </a:p>
-            </p:txBody>
-          </p:sp>
-          <p:sp>
-            <p:nvSpPr>
-              <p:cNvPr id="55" name="Google Shape;55;p13"/>
-              <p:cNvSpPr txBox="1"/>
-              <p:nvPr/>
-            </p:nvSpPr>
-            <p:spPr>
-              <a:xfrm>
-                <a:off x="1284874" y="3424297"/>
-                <a:ext cx="1745090" cy="376180"/>
-              </a:xfrm>
-              <a:prstGeom prst="rect">
-                <a:avLst/>
-              </a:prstGeom>
-              <a:solidFill>
-                <a:schemeClr val="bg1">
-                  <a:lumMod val="85000"/>
-                </a:schemeClr>
-              </a:solidFill>
-              <a:ln>
-                <a:solidFill>
-                  <a:schemeClr val="tx1"/>
-                </a:solidFill>
-              </a:ln>
-            </p:spPr>
-            <p:txBody>
-              <a:bodyPr spcFirstLastPara="1" wrap="square" lIns="60894" tIns="60894" rIns="60894" bIns="60894" anchor="t" anchorCtr="0">
-                <a:noAutofit/>
-              </a:bodyPr>
-              <a:lstStyle/>
-              <a:p>
-                <a:r>
-                  <a:rPr lang="en" sz="799" b="1" dirty="0"/>
-                  <a:t>Attach10XBarcodes</a:t>
-                </a:r>
-                <a:endParaRPr sz="799" b="1" dirty="0"/>
-              </a:p>
-            </p:txBody>
-          </p:sp>
-          <p:sp>
-            <p:nvSpPr>
-              <p:cNvPr id="56" name="Google Shape;56;p13"/>
-              <p:cNvSpPr txBox="1"/>
-              <p:nvPr/>
-            </p:nvSpPr>
-            <p:spPr>
-              <a:xfrm>
-                <a:off x="1273018" y="4061639"/>
-                <a:ext cx="1745090" cy="376182"/>
-              </a:xfrm>
-              <a:prstGeom prst="rect">
-                <a:avLst/>
-              </a:prstGeom>
-              <a:solidFill>
-                <a:schemeClr val="bg1">
-                  <a:lumMod val="85000"/>
-                </a:schemeClr>
-              </a:solidFill>
-              <a:ln>
-                <a:solidFill>
-                  <a:schemeClr val="tx1"/>
-                </a:solidFill>
-              </a:ln>
-            </p:spPr>
-            <p:txBody>
-              <a:bodyPr spcFirstLastPara="1" wrap="square" lIns="60894" tIns="60894" rIns="60894" bIns="60894" anchor="t" anchorCtr="0">
-                <a:noAutofit/>
-              </a:bodyPr>
-              <a:lstStyle/>
-              <a:p>
-                <a:r>
-                  <a:rPr lang="en" sz="799" b="1" dirty="0" err="1"/>
-                  <a:t>ScatterBamFiles</a:t>
-                </a:r>
-                <a:endParaRPr sz="799" b="1" dirty="0"/>
-              </a:p>
-            </p:txBody>
-          </p:sp>
-          <p:sp>
-            <p:nvSpPr>
-              <p:cNvPr id="57" name="Google Shape;57;p13"/>
-              <p:cNvSpPr txBox="1"/>
-              <p:nvPr/>
-            </p:nvSpPr>
-            <p:spPr>
-              <a:xfrm>
-                <a:off x="1273018" y="4698983"/>
-                <a:ext cx="1745090" cy="387431"/>
-              </a:xfrm>
-              <a:prstGeom prst="rect">
-                <a:avLst/>
-              </a:prstGeom>
-              <a:solidFill>
-                <a:schemeClr val="bg1">
-                  <a:lumMod val="85000"/>
-                </a:schemeClr>
-              </a:solidFill>
-              <a:ln>
-                <a:solidFill>
-                  <a:schemeClr val="tx1"/>
-                </a:solidFill>
-              </a:ln>
-            </p:spPr>
-            <p:txBody>
-              <a:bodyPr spcFirstLastPara="1" wrap="square" lIns="60894" tIns="60894" rIns="60894" bIns="60894" anchor="t" anchorCtr="0">
-                <a:noAutofit/>
-              </a:bodyPr>
-              <a:lstStyle/>
-              <a:p>
-                <a:r>
-                  <a:rPr lang="en" sz="799" b="1" dirty="0" err="1"/>
-                  <a:t>SplitByCellBarcode</a:t>
+                  <a:t>FastqPreprocessing</a:t>
                 </a:r>
                 <a:endParaRPr sz="799" b="1" dirty="0"/>
               </a:p>
@@ -4025,7 +3908,7 @@
             </p:nvSpPr>
             <p:spPr>
               <a:xfrm>
-                <a:off x="1272078" y="5347576"/>
+                <a:off x="1272078" y="3428093"/>
                 <a:ext cx="1757887" cy="514268"/>
               </a:xfrm>
               <a:prstGeom prst="rect">
@@ -4071,8 +3954,8 @@
             </p:nvSpPr>
             <p:spPr>
               <a:xfrm>
-                <a:off x="2102580" y="6123006"/>
-                <a:ext cx="1276947" cy="471962"/>
+                <a:off x="2102581" y="4190811"/>
+                <a:ext cx="1276948" cy="471961"/>
               </a:xfrm>
               <a:prstGeom prst="rect">
                 <a:avLst/>
@@ -4125,7 +4008,7 @@
             </p:nvSpPr>
             <p:spPr>
               <a:xfrm>
-                <a:off x="1272078" y="6867566"/>
+                <a:off x="1272078" y="4935370"/>
                 <a:ext cx="1751389" cy="368564"/>
               </a:xfrm>
               <a:prstGeom prst="rect">
@@ -4591,8 +4474,8 @@
             </p:nvCxnSpPr>
             <p:spPr>
               <a:xfrm flipV="1">
-                <a:off x="3221968" y="3216872"/>
-                <a:ext cx="804778" cy="4441562"/>
+                <a:off x="3221969" y="3216872"/>
+                <a:ext cx="804777" cy="2509370"/>
               </a:xfrm>
               <a:prstGeom prst="straightConnector1">
                 <a:avLst/>
@@ -4621,8 +4504,8 @@
             </p:nvCxnSpPr>
             <p:spPr>
               <a:xfrm flipV="1">
-                <a:off x="3221968" y="3853747"/>
-                <a:ext cx="804778" cy="3804687"/>
+                <a:off x="3221969" y="3853748"/>
+                <a:ext cx="804777" cy="1872494"/>
               </a:xfrm>
               <a:prstGeom prst="straightConnector1">
                 <a:avLst/>
@@ -4651,8 +4534,8 @@
             </p:nvCxnSpPr>
             <p:spPr>
               <a:xfrm flipV="1">
-                <a:off x="3221968" y="4467397"/>
-                <a:ext cx="804780" cy="3191037"/>
+                <a:off x="3221969" y="4467398"/>
+                <a:ext cx="804779" cy="1258844"/>
               </a:xfrm>
               <a:prstGeom prst="straightConnector1">
                 <a:avLst/>
@@ -4681,8 +4564,8 @@
             </p:nvCxnSpPr>
             <p:spPr>
               <a:xfrm flipV="1">
-                <a:off x="3221968" y="5104137"/>
-                <a:ext cx="804780" cy="2554297"/>
+                <a:off x="3221969" y="5104137"/>
+                <a:ext cx="804779" cy="622105"/>
               </a:xfrm>
               <a:prstGeom prst="straightConnector1">
                 <a:avLst/>
@@ -4780,7 +4663,7 @@
             </p:nvSpPr>
             <p:spPr>
               <a:xfrm>
-                <a:off x="1470579" y="7474152"/>
+                <a:off x="1470580" y="5541960"/>
                 <a:ext cx="1751389" cy="368564"/>
               </a:xfrm>
               <a:prstGeom prst="rect">
@@ -5686,108 +5569,6 @@
           </p:cxnSp>
           <p:cxnSp>
             <p:nvCxnSpPr>
-              <p:cNvPr id="157" name="Google Shape;91;p13">
-                <a:extLst>
-                  <a:ext uri="{FF2B5EF4-FFF2-40B4-BE49-F238E27FC236}">
-                    <a16:creationId xmlns:a16="http://schemas.microsoft.com/office/drawing/2014/main" id="{7242701F-E54E-9745-87B5-3C2CC29FCAFE}"/>
-                  </a:ext>
-                </a:extLst>
-              </p:cNvPr>
-              <p:cNvCxnSpPr>
-                <a:cxnSpLocks/>
-              </p:cNvCxnSpPr>
-              <p:nvPr/>
-            </p:nvCxnSpPr>
-            <p:spPr>
-              <a:xfrm>
-                <a:off x="2090299" y="3816165"/>
-                <a:ext cx="0" cy="208344"/>
-              </a:xfrm>
-              <a:prstGeom prst="straightConnector1">
-                <a:avLst/>
-              </a:prstGeom>
-              <a:noFill/>
-              <a:ln w="9525" cap="flat" cmpd="sng">
-                <a:solidFill>
-                  <a:schemeClr val="tx1"/>
-                </a:solidFill>
-                <a:prstDash val="solid"/>
-                <a:round/>
-                <a:headEnd type="none" w="med" len="med"/>
-                <a:tailEnd type="triangle" w="med" len="med"/>
-              </a:ln>
-            </p:spPr>
-          </p:cxnSp>
-          <p:cxnSp>
-            <p:nvCxnSpPr>
-              <p:cNvPr id="158" name="Google Shape;91;p13">
-                <a:extLst>
-                  <a:ext uri="{FF2B5EF4-FFF2-40B4-BE49-F238E27FC236}">
-                    <a16:creationId xmlns:a16="http://schemas.microsoft.com/office/drawing/2014/main" id="{70BD5736-C897-6344-B8EE-B0B4E44F1912}"/>
-                  </a:ext>
-                </a:extLst>
-              </p:cNvPr>
-              <p:cNvCxnSpPr>
-                <a:cxnSpLocks/>
-              </p:cNvCxnSpPr>
-              <p:nvPr/>
-            </p:nvCxnSpPr>
-            <p:spPr>
-              <a:xfrm>
-                <a:off x="2080781" y="4446384"/>
-                <a:ext cx="0" cy="208344"/>
-              </a:xfrm>
-              <a:prstGeom prst="straightConnector1">
-                <a:avLst/>
-              </a:prstGeom>
-              <a:noFill/>
-              <a:ln w="9525" cap="flat" cmpd="sng">
-                <a:solidFill>
-                  <a:schemeClr val="tx1"/>
-                </a:solidFill>
-                <a:prstDash val="solid"/>
-                <a:round/>
-                <a:headEnd type="none" w="med" len="med"/>
-                <a:tailEnd type="triangle" w="med" len="med"/>
-              </a:ln>
-            </p:spPr>
-          </p:cxnSp>
-          <p:cxnSp>
-            <p:nvCxnSpPr>
-              <p:cNvPr id="159" name="Google Shape;91;p13">
-                <a:extLst>
-                  <a:ext uri="{FF2B5EF4-FFF2-40B4-BE49-F238E27FC236}">
-                    <a16:creationId xmlns:a16="http://schemas.microsoft.com/office/drawing/2014/main" id="{6079214F-82EF-D241-9D6F-08B6FAD30B36}"/>
-                  </a:ext>
-                </a:extLst>
-              </p:cNvPr>
-              <p:cNvCxnSpPr>
-                <a:cxnSpLocks/>
-              </p:cNvCxnSpPr>
-              <p:nvPr/>
-            </p:nvCxnSpPr>
-            <p:spPr>
-              <a:xfrm>
-                <a:off x="2082476" y="5100437"/>
-                <a:ext cx="0" cy="208344"/>
-              </a:xfrm>
-              <a:prstGeom prst="straightConnector1">
-                <a:avLst/>
-              </a:prstGeom>
-              <a:noFill/>
-              <a:ln w="9525" cap="flat" cmpd="sng">
-                <a:solidFill>
-                  <a:schemeClr val="tx1"/>
-                </a:solidFill>
-                <a:prstDash val="solid"/>
-                <a:round/>
-                <a:headEnd type="none" w="med" len="med"/>
-                <a:tailEnd type="triangle" w="med" len="med"/>
-              </a:ln>
-            </p:spPr>
-          </p:cxnSp>
-          <p:cxnSp>
-            <p:nvCxnSpPr>
               <p:cNvPr id="160" name="Google Shape;91;p13">
                 <a:extLst>
                   <a:ext uri="{FF2B5EF4-FFF2-40B4-BE49-F238E27FC236}">
@@ -5802,8 +5583,8 @@
             </p:nvCxnSpPr>
             <p:spPr>
               <a:xfrm>
-                <a:off x="2074655" y="5868330"/>
-                <a:ext cx="0" cy="208344"/>
+                <a:off x="2074655" y="3948847"/>
+                <a:ext cx="0" cy="208345"/>
               </a:xfrm>
               <a:prstGeom prst="straightConnector1">
                 <a:avLst/>
@@ -5836,8 +5617,8 @@
             </p:nvCxnSpPr>
             <p:spPr>
               <a:xfrm>
-                <a:off x="2076350" y="6641793"/>
-                <a:ext cx="0" cy="208344"/>
+                <a:off x="2076350" y="4709598"/>
+                <a:ext cx="0" cy="208345"/>
               </a:xfrm>
               <a:prstGeom prst="straightConnector1">
                 <a:avLst/>
@@ -5870,8 +5651,8 @@
             </p:nvCxnSpPr>
             <p:spPr>
               <a:xfrm>
-                <a:off x="2157419" y="7261537"/>
-                <a:ext cx="126846" cy="196960"/>
+                <a:off x="2157418" y="5329342"/>
+                <a:ext cx="126847" cy="196960"/>
               </a:xfrm>
               <a:prstGeom prst="straightConnector1">
                 <a:avLst/>
@@ -5902,7 +5683,7 @@
             </p:nvSpPr>
             <p:spPr>
               <a:xfrm>
-                <a:off x="288408" y="6122020"/>
+                <a:off x="288408" y="4189824"/>
                 <a:ext cx="1757887" cy="473934"/>
               </a:xfrm>
               <a:prstGeom prst="rect">

--- a/pipelines/skylab/optimus/documentation/Optimus_diagram.pptx
+++ b/pipelines/skylab/optimus/documentation/Optimus_diagram.pptx
@@ -3894,7 +3894,7 @@
               <a:p>
                 <a:r>
                   <a:rPr lang="en" sz="799" b="1" dirty="0" err="1"/>
-                  <a:t>FastqPreprocessing</a:t>
+                  <a:t>FastqProcessing</a:t>
                 </a:r>
                 <a:endParaRPr sz="799" b="1" dirty="0"/>
               </a:p>
